--- a/UseCaseModel.pptx
+++ b/UseCaseModel.pptx
@@ -104,6 +104,11 @@
       </a:defRPr>
     </a:lvl9pPr>
   </p:defaultTextStyle>
+  <p:extLst>
+    <p:ext uri="{EFAFB233-063F-42B5-8137-9DF3F51BA10A}">
+      <p15:sldGuideLst xmlns:p15="http://schemas.microsoft.com/office/powerpoint/2012/main"/>
+    </p:ext>
+  </p:extLst>
 </p:presentation>
 </file>
 
@@ -254,7 +259,7 @@
           <a:p>
             <a:fld id="{65ADE286-666B-46E7-BC5A-5724368A62F7}" type="datetimeFigureOut">
               <a:rPr lang="ko-KR" altLang="en-US" smtClean="0"/>
-              <a:t>2019-06-01</a:t>
+              <a:t>2019-06-02</a:t>
             </a:fld>
             <a:endParaRPr lang="ko-KR" altLang="en-US"/>
           </a:p>
@@ -452,7 +457,7 @@
           <a:p>
             <a:fld id="{65ADE286-666B-46E7-BC5A-5724368A62F7}" type="datetimeFigureOut">
               <a:rPr lang="ko-KR" altLang="en-US" smtClean="0"/>
-              <a:t>2019-06-01</a:t>
+              <a:t>2019-06-02</a:t>
             </a:fld>
             <a:endParaRPr lang="ko-KR" altLang="en-US"/>
           </a:p>
@@ -660,7 +665,7 @@
           <a:p>
             <a:fld id="{65ADE286-666B-46E7-BC5A-5724368A62F7}" type="datetimeFigureOut">
               <a:rPr lang="ko-KR" altLang="en-US" smtClean="0"/>
-              <a:t>2019-06-01</a:t>
+              <a:t>2019-06-02</a:t>
             </a:fld>
             <a:endParaRPr lang="ko-KR" altLang="en-US"/>
           </a:p>
@@ -858,7 +863,7 @@
           <a:p>
             <a:fld id="{65ADE286-666B-46E7-BC5A-5724368A62F7}" type="datetimeFigureOut">
               <a:rPr lang="ko-KR" altLang="en-US" smtClean="0"/>
-              <a:t>2019-06-01</a:t>
+              <a:t>2019-06-02</a:t>
             </a:fld>
             <a:endParaRPr lang="ko-KR" altLang="en-US"/>
           </a:p>
@@ -1133,7 +1138,7 @@
           <a:p>
             <a:fld id="{65ADE286-666B-46E7-BC5A-5724368A62F7}" type="datetimeFigureOut">
               <a:rPr lang="ko-KR" altLang="en-US" smtClean="0"/>
-              <a:t>2019-06-01</a:t>
+              <a:t>2019-06-02</a:t>
             </a:fld>
             <a:endParaRPr lang="ko-KR" altLang="en-US"/>
           </a:p>
@@ -1398,7 +1403,7 @@
           <a:p>
             <a:fld id="{65ADE286-666B-46E7-BC5A-5724368A62F7}" type="datetimeFigureOut">
               <a:rPr lang="ko-KR" altLang="en-US" smtClean="0"/>
-              <a:t>2019-06-01</a:t>
+              <a:t>2019-06-02</a:t>
             </a:fld>
             <a:endParaRPr lang="ko-KR" altLang="en-US"/>
           </a:p>
@@ -1810,7 +1815,7 @@
           <a:p>
             <a:fld id="{65ADE286-666B-46E7-BC5A-5724368A62F7}" type="datetimeFigureOut">
               <a:rPr lang="ko-KR" altLang="en-US" smtClean="0"/>
-              <a:t>2019-06-01</a:t>
+              <a:t>2019-06-02</a:t>
             </a:fld>
             <a:endParaRPr lang="ko-KR" altLang="en-US"/>
           </a:p>
@@ -1951,7 +1956,7 @@
           <a:p>
             <a:fld id="{65ADE286-666B-46E7-BC5A-5724368A62F7}" type="datetimeFigureOut">
               <a:rPr lang="ko-KR" altLang="en-US" smtClean="0"/>
-              <a:t>2019-06-01</a:t>
+              <a:t>2019-06-02</a:t>
             </a:fld>
             <a:endParaRPr lang="ko-KR" altLang="en-US"/>
           </a:p>
@@ -2064,7 +2069,7 @@
           <a:p>
             <a:fld id="{65ADE286-666B-46E7-BC5A-5724368A62F7}" type="datetimeFigureOut">
               <a:rPr lang="ko-KR" altLang="en-US" smtClean="0"/>
-              <a:t>2019-06-01</a:t>
+              <a:t>2019-06-02</a:t>
             </a:fld>
             <a:endParaRPr lang="ko-KR" altLang="en-US"/>
           </a:p>
@@ -2375,7 +2380,7 @@
           <a:p>
             <a:fld id="{65ADE286-666B-46E7-BC5A-5724368A62F7}" type="datetimeFigureOut">
               <a:rPr lang="ko-KR" altLang="en-US" smtClean="0"/>
-              <a:t>2019-06-01</a:t>
+              <a:t>2019-06-02</a:t>
             </a:fld>
             <a:endParaRPr lang="ko-KR" altLang="en-US"/>
           </a:p>
@@ -2663,7 +2668,7 @@
           <a:p>
             <a:fld id="{65ADE286-666B-46E7-BC5A-5724368A62F7}" type="datetimeFigureOut">
               <a:rPr lang="ko-KR" altLang="en-US" smtClean="0"/>
-              <a:t>2019-06-01</a:t>
+              <a:t>2019-06-02</a:t>
             </a:fld>
             <a:endParaRPr lang="ko-KR" altLang="en-US"/>
           </a:p>
@@ -2904,7 +2909,7 @@
           <a:p>
             <a:fld id="{65ADE286-666B-46E7-BC5A-5724368A62F7}" type="datetimeFigureOut">
               <a:rPr lang="ko-KR" altLang="en-US" smtClean="0"/>
-              <a:t>2019-06-01</a:t>
+              <a:t>2019-06-02</a:t>
             </a:fld>
             <a:endParaRPr lang="ko-KR" altLang="en-US"/>
           </a:p>
@@ -3404,7 +3409,9 @@
           <a:lstStyle/>
           <a:p>
             <a:pPr algn="ctr"/>
-            <a:endParaRPr lang="ko-KR" altLang="en-US"/>
+            <a:endParaRPr lang="ko-KR" altLang="en-US">
+              <a:latin typeface="Abadi" panose="020B0604020202020204" pitchFamily="34" charset="0"/>
+            </a:endParaRPr>
           </a:p>
         </p:txBody>
       </p:sp>
@@ -3539,8 +3546,8 @@
         </p:nvSpPr>
         <p:spPr>
           <a:xfrm>
-            <a:off x="1088983" y="1453508"/>
-            <a:ext cx="1416157" cy="646331"/>
+            <a:off x="1217415" y="1453508"/>
+            <a:ext cx="1159292" cy="646331"/>
           </a:xfrm>
           <a:prstGeom prst="rect">
             <a:avLst/>
@@ -3559,7 +3566,7 @@
             <a:pPr algn="ctr"/>
             <a:r>
               <a:rPr lang="en-US" altLang="ko-KR" dirty="0">
-                <a:latin typeface="메이플스토리" panose="02000300000000000000" pitchFamily="2" charset="-127"/>
+                <a:latin typeface="Abadi" panose="020B0604020202020204" pitchFamily="34" charset="0"/>
                 <a:ea typeface="메이플스토리" panose="02000300000000000000" pitchFamily="2" charset="-127"/>
               </a:rPr>
               <a:t>{abstract}</a:t>
@@ -3569,13 +3576,13 @@
             <a:pPr algn="ctr"/>
             <a:r>
               <a:rPr lang="en-US" altLang="ko-KR" dirty="0">
-                <a:latin typeface="메이플스토리" panose="02000300000000000000" pitchFamily="2" charset="-127"/>
+                <a:latin typeface="Abadi" panose="020B0604020202020204" pitchFamily="34" charset="0"/>
                 <a:ea typeface="메이플스토리" panose="02000300000000000000" pitchFamily="2" charset="-127"/>
               </a:rPr>
               <a:t>Player </a:t>
             </a:r>
             <a:endParaRPr lang="ko-KR" altLang="en-US" dirty="0">
-              <a:latin typeface="메이플스토리" panose="02000300000000000000" pitchFamily="2" charset="-127"/>
+              <a:latin typeface="Abadi" panose="020B0604020202020204" pitchFamily="34" charset="0"/>
               <a:ea typeface="메이플스토리" panose="02000300000000000000" pitchFamily="2" charset="-127"/>
             </a:endParaRPr>
           </a:p>
@@ -3596,7 +3603,7 @@
         <p:spPr>
           <a:xfrm>
             <a:off x="202839" y="3533816"/>
-            <a:ext cx="1072217" cy="369332"/>
+            <a:ext cx="1031051" cy="369332"/>
           </a:xfrm>
           <a:prstGeom prst="rect">
             <a:avLst/>
@@ -3611,13 +3618,13 @@
           <a:p>
             <a:r>
               <a:rPr lang="en-US" altLang="ko-KR" dirty="0">
-                <a:latin typeface="메이플스토리" panose="02000300000000000000" pitchFamily="2" charset="-127"/>
+                <a:latin typeface="Abadi" panose="020B0604020202020204" pitchFamily="34" charset="0"/>
                 <a:ea typeface="메이플스토리" panose="02000300000000000000" pitchFamily="2" charset="-127"/>
               </a:rPr>
               <a:t>Player 1</a:t>
             </a:r>
             <a:endParaRPr lang="ko-KR" altLang="en-US" dirty="0">
-              <a:latin typeface="메이플스토리" panose="02000300000000000000" pitchFamily="2" charset="-127"/>
+              <a:latin typeface="Abadi" panose="020B0604020202020204" pitchFamily="34" charset="0"/>
               <a:ea typeface="메이플스토리" panose="02000300000000000000" pitchFamily="2" charset="-127"/>
             </a:endParaRPr>
           </a:p>
@@ -3638,7 +3645,7 @@
         <p:spPr>
           <a:xfrm>
             <a:off x="458849" y="5670257"/>
-            <a:ext cx="1112292" cy="369332"/>
+            <a:ext cx="1031051" cy="369332"/>
           </a:xfrm>
           <a:prstGeom prst="rect">
             <a:avLst/>
@@ -3653,13 +3660,13 @@
           <a:p>
             <a:r>
               <a:rPr lang="en-US" altLang="ko-KR" dirty="0">
-                <a:latin typeface="메이플스토리" panose="02000300000000000000" pitchFamily="2" charset="-127"/>
+                <a:latin typeface="Abadi" panose="020B0604020202020204" pitchFamily="34" charset="0"/>
                 <a:ea typeface="메이플스토리" panose="02000300000000000000" pitchFamily="2" charset="-127"/>
               </a:rPr>
               <a:t>Player 3</a:t>
             </a:r>
             <a:endParaRPr lang="ko-KR" altLang="en-US" dirty="0">
-              <a:latin typeface="메이플스토리" panose="02000300000000000000" pitchFamily="2" charset="-127"/>
+              <a:latin typeface="Abadi" panose="020B0604020202020204" pitchFamily="34" charset="0"/>
               <a:ea typeface="메이플스토리" panose="02000300000000000000" pitchFamily="2" charset="-127"/>
             </a:endParaRPr>
           </a:p>
@@ -3680,7 +3687,7 @@
         <p:spPr>
           <a:xfrm>
             <a:off x="1915423" y="5637857"/>
-            <a:ext cx="1126719" cy="369332"/>
+            <a:ext cx="1031051" cy="369332"/>
           </a:xfrm>
           <a:prstGeom prst="rect">
             <a:avLst/>
@@ -3695,13 +3702,13 @@
           <a:p>
             <a:r>
               <a:rPr lang="en-US" altLang="ko-KR" dirty="0">
-                <a:latin typeface="메이플스토리" panose="02000300000000000000" pitchFamily="2" charset="-127"/>
+                <a:latin typeface="Abadi" panose="020B0604020202020204" pitchFamily="34" charset="0"/>
                 <a:ea typeface="메이플스토리" panose="02000300000000000000" pitchFamily="2" charset="-127"/>
               </a:rPr>
               <a:t>Player 4</a:t>
             </a:r>
             <a:endParaRPr lang="ko-KR" altLang="en-US" dirty="0">
-              <a:latin typeface="메이플스토리" panose="02000300000000000000" pitchFamily="2" charset="-127"/>
+              <a:latin typeface="Abadi" panose="020B0604020202020204" pitchFamily="34" charset="0"/>
               <a:ea typeface="메이플스토리" panose="02000300000000000000" pitchFamily="2" charset="-127"/>
             </a:endParaRPr>
           </a:p>
@@ -3722,7 +3729,7 @@
         <p:spPr>
           <a:xfrm>
             <a:off x="6560212" y="84420"/>
-            <a:ext cx="2169055" cy="369332"/>
+            <a:ext cx="2005677" cy="369332"/>
           </a:xfrm>
           <a:prstGeom prst="rect">
             <a:avLst/>
@@ -3737,13 +3744,13 @@
           <a:p>
             <a:r>
               <a:rPr lang="en-US" altLang="ko-KR" dirty="0">
-                <a:latin typeface="메이플스토리" panose="02000300000000000000" pitchFamily="2" charset="-127"/>
+                <a:latin typeface="Abadi" panose="020B0604020202020204" pitchFamily="34" charset="0"/>
                 <a:ea typeface="메이플스토리" panose="02000300000000000000" pitchFamily="2" charset="-127"/>
               </a:rPr>
               <a:t>System Boundary</a:t>
             </a:r>
             <a:endParaRPr lang="ko-KR" altLang="en-US" dirty="0">
-              <a:latin typeface="메이플스토리" panose="02000300000000000000" pitchFamily="2" charset="-127"/>
+              <a:latin typeface="Abadi" panose="020B0604020202020204" pitchFamily="34" charset="0"/>
               <a:ea typeface="메이플스토리" panose="02000300000000000000" pitchFamily="2" charset="-127"/>
             </a:endParaRPr>
           </a:p>
@@ -3793,7 +3800,7 @@
             <a:pPr algn="ctr"/>
             <a:r>
               <a:rPr lang="en-US" altLang="ko-KR" dirty="0">
-                <a:latin typeface="메이플스토리" panose="02000300000000000000" pitchFamily="2" charset="-127"/>
+                <a:latin typeface="Abadi" panose="020B0604020202020204" pitchFamily="34" charset="0"/>
                 <a:ea typeface="메이플스토리" panose="02000300000000000000" pitchFamily="2" charset="-127"/>
               </a:rPr>
               <a:t>Player and</a:t>
@@ -3803,13 +3810,13 @@
             <a:pPr algn="ctr"/>
             <a:r>
               <a:rPr lang="en-US" altLang="ko-KR" dirty="0">
-                <a:latin typeface="메이플스토리" panose="02000300000000000000" pitchFamily="2" charset="-127"/>
+                <a:latin typeface="Abadi" panose="020B0604020202020204" pitchFamily="34" charset="0"/>
                 <a:ea typeface="메이플스토리" panose="02000300000000000000" pitchFamily="2" charset="-127"/>
               </a:rPr>
               <a:t>Horse Setting</a:t>
             </a:r>
             <a:endParaRPr lang="ko-KR" altLang="en-US" dirty="0">
-              <a:latin typeface="메이플스토리" panose="02000300000000000000" pitchFamily="2" charset="-127"/>
+              <a:latin typeface="Abadi" panose="020B0604020202020204" pitchFamily="34" charset="0"/>
               <a:ea typeface="메이플스토리" panose="02000300000000000000" pitchFamily="2" charset="-127"/>
             </a:endParaRPr>
           </a:p>
@@ -3859,20 +3866,20 @@
             <a:pPr algn="ctr"/>
             <a:r>
               <a:rPr lang="en-US" altLang="ko-KR" dirty="0">
-                <a:latin typeface="메이플스토리" panose="02000300000000000000" pitchFamily="2" charset="-127"/>
+                <a:latin typeface="Abadi" panose="020B0604020202020204" pitchFamily="34" charset="0"/>
                 <a:ea typeface="메이플스토리" panose="02000300000000000000" pitchFamily="2" charset="-127"/>
               </a:rPr>
               <a:t>Throw </a:t>
             </a:r>
             <a:r>
               <a:rPr lang="en-US" altLang="ko-KR" dirty="0" err="1">
-                <a:latin typeface="메이플스토리" panose="02000300000000000000" pitchFamily="2" charset="-127"/>
+                <a:latin typeface="Abadi" panose="020B0604020202020204" pitchFamily="34" charset="0"/>
                 <a:ea typeface="메이플스토리" panose="02000300000000000000" pitchFamily="2" charset="-127"/>
               </a:rPr>
               <a:t>Yut</a:t>
             </a:r>
             <a:endParaRPr lang="ko-KR" altLang="en-US" dirty="0">
-              <a:latin typeface="메이플스토리" panose="02000300000000000000" pitchFamily="2" charset="-127"/>
+              <a:latin typeface="Abadi" panose="020B0604020202020204" pitchFamily="34" charset="0"/>
               <a:ea typeface="메이플스토리" panose="02000300000000000000" pitchFamily="2" charset="-127"/>
             </a:endParaRPr>
           </a:p>
@@ -3922,7 +3929,7 @@
             <a:pPr algn="ctr"/>
             <a:r>
               <a:rPr lang="en-US" altLang="ko-KR" dirty="0">
-                <a:latin typeface="메이플스토리" panose="02000300000000000000" pitchFamily="2" charset="-127"/>
+                <a:latin typeface="Abadi" panose="020B0604020202020204" pitchFamily="34" charset="0"/>
                 <a:ea typeface="메이플스토리" panose="02000300000000000000" pitchFamily="2" charset="-127"/>
               </a:rPr>
               <a:t>Manage</a:t>
@@ -3932,7 +3939,7 @@
             <a:pPr algn="ctr"/>
             <a:r>
               <a:rPr lang="en-US" altLang="ko-KR" dirty="0">
-                <a:latin typeface="메이플스토리" panose="02000300000000000000" pitchFamily="2" charset="-127"/>
+                <a:latin typeface="Abadi" panose="020B0604020202020204" pitchFamily="34" charset="0"/>
                 <a:ea typeface="메이플스토리" panose="02000300000000000000" pitchFamily="2" charset="-127"/>
               </a:rPr>
               <a:t>Horse</a:t>
@@ -3942,13 +3949,13 @@
             <a:pPr algn="ctr"/>
             <a:r>
               <a:rPr lang="en-US" altLang="ko-KR" dirty="0">
-                <a:latin typeface="메이플스토리" panose="02000300000000000000" pitchFamily="2" charset="-127"/>
+                <a:latin typeface="Abadi" panose="020B0604020202020204" pitchFamily="34" charset="0"/>
                 <a:ea typeface="메이플스토리" panose="02000300000000000000" pitchFamily="2" charset="-127"/>
               </a:rPr>
               <a:t>(move, choose, eat)</a:t>
             </a:r>
             <a:endParaRPr lang="ko-KR" altLang="en-US" dirty="0">
-              <a:latin typeface="메이플스토리" panose="02000300000000000000" pitchFamily="2" charset="-127"/>
+              <a:latin typeface="Abadi" panose="020B0604020202020204" pitchFamily="34" charset="0"/>
               <a:ea typeface="메이플스토리" panose="02000300000000000000" pitchFamily="2" charset="-127"/>
             </a:endParaRPr>
           </a:p>
@@ -3998,13 +4005,13 @@
             <a:pPr algn="ctr"/>
             <a:r>
               <a:rPr lang="en-US" altLang="ko-KR" dirty="0">
-                <a:latin typeface="메이플스토리" panose="02000300000000000000" pitchFamily="2" charset="-127"/>
+                <a:latin typeface="Abadi" panose="020B0604020202020204" pitchFamily="34" charset="0"/>
                 <a:ea typeface="메이플스토리" panose="02000300000000000000" pitchFamily="2" charset="-127"/>
               </a:rPr>
               <a:t>Clear game</a:t>
             </a:r>
             <a:endParaRPr lang="ko-KR" altLang="en-US" dirty="0">
-              <a:latin typeface="메이플스토리" panose="02000300000000000000" pitchFamily="2" charset="-127"/>
+              <a:latin typeface="Abadi" panose="020B0604020202020204" pitchFamily="34" charset="0"/>
               <a:ea typeface="메이플스토리" panose="02000300000000000000" pitchFamily="2" charset="-127"/>
             </a:endParaRPr>
           </a:p>
@@ -4064,7 +4071,7 @@
         <p:spPr>
           <a:xfrm>
             <a:off x="2136190" y="3550378"/>
-            <a:ext cx="1112292" cy="369332"/>
+            <a:ext cx="1031051" cy="369332"/>
           </a:xfrm>
           <a:prstGeom prst="rect">
             <a:avLst/>
@@ -4079,13 +4086,13 @@
           <a:p>
             <a:r>
               <a:rPr lang="en-US" altLang="ko-KR" dirty="0">
-                <a:latin typeface="메이플스토리" panose="02000300000000000000" pitchFamily="2" charset="-127"/>
+                <a:latin typeface="Abadi" panose="020B0604020202020204" pitchFamily="34" charset="0"/>
                 <a:ea typeface="메이플스토리" panose="02000300000000000000" pitchFamily="2" charset="-127"/>
               </a:rPr>
               <a:t>Player 2</a:t>
             </a:r>
             <a:endParaRPr lang="ko-KR" altLang="en-US" dirty="0">
-              <a:latin typeface="메이플스토리" panose="02000300000000000000" pitchFamily="2" charset="-127"/>
+              <a:latin typeface="Abadi" panose="020B0604020202020204" pitchFamily="34" charset="0"/>
               <a:ea typeface="메이플스토리" panose="02000300000000000000" pitchFamily="2" charset="-127"/>
             </a:endParaRPr>
           </a:p>
@@ -4135,13 +4142,13 @@
             <a:pPr algn="ctr"/>
             <a:r>
               <a:rPr lang="en-US" altLang="ko-KR" dirty="0">
-                <a:latin typeface="메이플스토리" panose="02000300000000000000" pitchFamily="2" charset="-127"/>
+                <a:latin typeface="Abadi" panose="020B0604020202020204" pitchFamily="34" charset="0"/>
                 <a:ea typeface="메이플스토리" panose="02000300000000000000" pitchFamily="2" charset="-127"/>
               </a:rPr>
               <a:t>Choose Direction</a:t>
             </a:r>
             <a:endParaRPr lang="ko-KR" altLang="en-US" dirty="0">
-              <a:latin typeface="메이플스토리" panose="02000300000000000000" pitchFamily="2" charset="-127"/>
+              <a:latin typeface="Abadi" panose="020B0604020202020204" pitchFamily="34" charset="0"/>
               <a:ea typeface="메이플스토리" panose="02000300000000000000" pitchFamily="2" charset="-127"/>
             </a:endParaRPr>
           </a:p>
@@ -4254,7 +4261,7 @@
         <p:spPr>
           <a:xfrm>
             <a:off x="7051482" y="3507715"/>
-            <a:ext cx="1371722" cy="369332"/>
+            <a:ext cx="1415772" cy="369332"/>
           </a:xfrm>
           <a:prstGeom prst="rect">
             <a:avLst/>
@@ -4269,13 +4276,13 @@
           <a:p>
             <a:r>
               <a:rPr lang="en-US" altLang="ko-KR" dirty="0">
-                <a:latin typeface="메이플스토리" panose="02000300000000000000" pitchFamily="2" charset="-127"/>
+                <a:latin typeface="Abadi" panose="020B0604020202020204" pitchFamily="34" charset="0"/>
                 <a:ea typeface="메이플스토리" panose="02000300000000000000" pitchFamily="2" charset="-127"/>
               </a:rPr>
               <a:t>&lt;&lt;extend&gt;&gt;</a:t>
             </a:r>
             <a:endParaRPr lang="ko-KR" altLang="en-US" dirty="0">
-              <a:latin typeface="메이플스토리" panose="02000300000000000000" pitchFamily="2" charset="-127"/>
+              <a:latin typeface="Abadi" panose="020B0604020202020204" pitchFamily="34" charset="0"/>
               <a:ea typeface="메이플스토리" panose="02000300000000000000" pitchFamily="2" charset="-127"/>
             </a:endParaRPr>
           </a:p>
@@ -4296,7 +4303,7 @@
         <p:spPr>
           <a:xfrm>
             <a:off x="7064489" y="5190072"/>
-            <a:ext cx="1371722" cy="369332"/>
+            <a:ext cx="1462260" cy="369332"/>
           </a:xfrm>
           <a:prstGeom prst="rect">
             <a:avLst/>
@@ -4311,13 +4318,13 @@
           <a:p>
             <a:r>
               <a:rPr lang="en-US" altLang="ko-KR" dirty="0">
-                <a:latin typeface="메이플스토리" panose="02000300000000000000" pitchFamily="2" charset="-127"/>
+                <a:latin typeface="Abadi" panose="020B0604020202020204" pitchFamily="34" charset="0"/>
                 <a:ea typeface="메이플스토리" panose="02000300000000000000" pitchFamily="2" charset="-127"/>
               </a:rPr>
               <a:t>&lt;&lt;extend&gt;&gt;</a:t>
             </a:r>
             <a:endParaRPr lang="ko-KR" altLang="en-US" dirty="0">
-              <a:latin typeface="메이플스토리" panose="02000300000000000000" pitchFamily="2" charset="-127"/>
+              <a:latin typeface="Abadi" panose="020B0604020202020204" pitchFamily="34" charset="0"/>
               <a:ea typeface="메이플스토리" panose="02000300000000000000" pitchFamily="2" charset="-127"/>
             </a:endParaRPr>
           </a:p>
